--- a/doc/0401.pptx
+++ b/doc/0401.pptx
@@ -6892,7 +6892,9 @@
         </p:nvSpPr>
         <p:spPr/>
         <p:txBody>
-          <a:bodyPr rtlCol="0"/>
+          <a:bodyPr rtlCol="0">
+            <a:normAutofit fontScale="90000"/>
+          </a:bodyPr>
           <a:lstStyle/>
           <a:p>
             <a:pPr rtl="0"/>
@@ -6915,6 +6917,19 @@
                 <a:ea typeface="標楷體" panose="03000509000000000000" pitchFamily="65" charset="-120"/>
               </a:rPr>
               <a:t>Through Iteration</a:t>
+            </a:r>
+            <a:br>
+              <a:rPr lang="en-US" altLang="zh-TW" dirty="0">
+                <a:latin typeface="標楷體" panose="03000509000000000000" pitchFamily="65" charset="-120"/>
+                <a:ea typeface="標楷體" panose="03000509000000000000" pitchFamily="65" charset="-120"/>
+              </a:rPr>
+            </a:br>
+            <a:r>
+              <a:rPr lang="zh-TW" altLang="en-US" sz="4400" dirty="0">
+                <a:latin typeface="標楷體" panose="03000509000000000000" pitchFamily="65" charset="-120"/>
+                <a:ea typeface="標楷體" panose="03000509000000000000" pitchFamily="65" charset="-120"/>
+              </a:rPr>
+              <a:t>遊戲再反覆修改下進步</a:t>
             </a:r>
             <a:endParaRPr lang="zh-tw" dirty="0">
               <a:latin typeface="標楷體" panose="03000509000000000000" pitchFamily="65" charset="-120"/>
@@ -16310,26 +16325,6 @@
 </file>
 
 <file path=customXml/item1.xml><?xml version="1.0" encoding="utf-8"?>
-<p:properties xmlns:p="http://schemas.microsoft.com/office/2006/metadata/properties" xmlns:xsi="http://www.w3.org/2001/XMLSchema-instance" xmlns:pc="http://schemas.microsoft.com/office/infopath/2007/PartnerControls">
-  <documentManagement>
-    <VSO_x0020_item_x0020_id xmlns="40262f94-9f35-4ac3-9a90-690165a166b7" xsi:nil="true"/>
-    <Assetid_x0020_ xmlns="40262f94-9f35-4ac3-9a90-690165a166b7" xsi:nil="true"/>
-    <Item_x0020_Details xmlns="40262f94-9f35-4ac3-9a90-690165a166b7" xsi:nil="true"/>
-    <Template_x0020_details xmlns="40262f94-9f35-4ac3-9a90-690165a166b7" xsi:nil="true"/>
-  </documentManagement>
-</p:properties>
-</file>
-
-<file path=customXml/item2.xml><?xml version="1.0" encoding="utf-8"?>
-<?mso-contentType ?>
-<FormTemplates xmlns="http://schemas.microsoft.com/sharepoint/v3/contenttype/forms">
-  <Display>DocumentLibraryForm</Display>
-  <Edit>DocumentLibraryForm</Edit>
-  <New>DocumentLibraryForm</New>
-</FormTemplates>
-</file>
-
-<file path=customXml/item3.xml><?xml version="1.0" encoding="utf-8"?>
 <ct:contentTypeSchema xmlns:ct="http://schemas.microsoft.com/office/2006/metadata/contentType" xmlns:ma="http://schemas.microsoft.com/office/2006/metadata/properties/metaAttributes" ct:_="" ma:_="" ma:contentTypeName="Document" ma:contentTypeID="0x010100AA3F7D94069FF64A86F7DFF56D60E3BE" ma:contentTypeVersion="6" ma:contentTypeDescription="Create a new document." ma:contentTypeScope="" ma:versionID="c32302c77d4085ecf495bdddb7f5e889">
   <xsd:schema xmlns:xsd="http://www.w3.org/2001/XMLSchema" xmlns:xs="http://www.w3.org/2001/XMLSchema" xmlns:p="http://schemas.microsoft.com/office/2006/metadata/properties" xmlns:ns2="a4f35948-e619-41b3-aa29-22878b09cfd2" xmlns:ns3="40262f94-9f35-4ac3-9a90-690165a166b7" targetNamespace="http://schemas.microsoft.com/office/2006/metadata/properties" ma:root="true" ma:fieldsID="4ab5ae46be95f9d0be6107e8200be7a2" ns2:_="" ns3:_="">
     <xsd:import namespace="a4f35948-e619-41b3-aa29-22878b09cfd2"/>
@@ -16510,32 +16505,27 @@
 </ct:contentTypeSchema>
 </file>
 
-<file path=customXml/itemProps1.xml><?xml version="1.0" encoding="utf-8"?>
-<ds:datastoreItem xmlns:ds="http://schemas.openxmlformats.org/officeDocument/2006/customXml" ds:itemID="{DEDD01B8-816B-49B7-8C81-03AB51D87C54}">
-  <ds:schemaRefs>
-    <ds:schemaRef ds:uri="http://schemas.microsoft.com/office/2006/documentManagement/types"/>
-    <ds:schemaRef ds:uri="http://purl.org/dc/terms/"/>
-    <ds:schemaRef ds:uri="http://schemas.openxmlformats.org/package/2006/metadata/core-properties"/>
-    <ds:schemaRef ds:uri="http://purl.org/dc/dcmitype/"/>
-    <ds:schemaRef ds:uri="http://schemas.microsoft.com/office/infopath/2007/PartnerControls"/>
-    <ds:schemaRef ds:uri="http://purl.org/dc/elements/1.1/"/>
-    <ds:schemaRef ds:uri="http://schemas.microsoft.com/office/2006/metadata/properties"/>
-    <ds:schemaRef ds:uri="40262f94-9f35-4ac3-9a90-690165a166b7"/>
-    <ds:schemaRef ds:uri="a4f35948-e619-41b3-aa29-22878b09cfd2"/>
-    <ds:schemaRef ds:uri="http://www.w3.org/XML/1998/namespace"/>
-  </ds:schemaRefs>
-</ds:datastoreItem>
+<file path=customXml/item2.xml><?xml version="1.0" encoding="utf-8"?>
+<?mso-contentType ?>
+<FormTemplates xmlns="http://schemas.microsoft.com/sharepoint/v3/contenttype/forms">
+  <Display>DocumentLibraryForm</Display>
+  <Edit>DocumentLibraryForm</Edit>
+  <New>DocumentLibraryForm</New>
+</FormTemplates>
 </file>
 
-<file path=customXml/itemProps2.xml><?xml version="1.0" encoding="utf-8"?>
-<ds:datastoreItem xmlns:ds="http://schemas.openxmlformats.org/officeDocument/2006/customXml" ds:itemID="{B024FD56-CE1B-42FC-9E83-BFBF160724C6}">
-  <ds:schemaRefs>
-    <ds:schemaRef ds:uri="http://schemas.microsoft.com/sharepoint/v3/contenttype/forms"/>
-  </ds:schemaRefs>
-</ds:datastoreItem>
+<file path=customXml/item3.xml><?xml version="1.0" encoding="utf-8"?>
+<p:properties xmlns:p="http://schemas.microsoft.com/office/2006/metadata/properties" xmlns:xsi="http://www.w3.org/2001/XMLSchema-instance" xmlns:pc="http://schemas.microsoft.com/office/infopath/2007/PartnerControls">
+  <documentManagement>
+    <VSO_x0020_item_x0020_id xmlns="40262f94-9f35-4ac3-9a90-690165a166b7" xsi:nil="true"/>
+    <Assetid_x0020_ xmlns="40262f94-9f35-4ac3-9a90-690165a166b7" xsi:nil="true"/>
+    <Item_x0020_Details xmlns="40262f94-9f35-4ac3-9a90-690165a166b7" xsi:nil="true"/>
+    <Template_x0020_details xmlns="40262f94-9f35-4ac3-9a90-690165a166b7" xsi:nil="true"/>
+  </documentManagement>
+</p:properties>
 </file>
 
-<file path=customXml/itemProps3.xml><?xml version="1.0" encoding="utf-8"?>
+<file path=customXml/itemProps1.xml><?xml version="1.0" encoding="utf-8"?>
 <ds:datastoreItem xmlns:ds="http://schemas.openxmlformats.org/officeDocument/2006/customXml" ds:itemID="{6253D857-4181-4777-8893-6E45A690F9F7}">
   <ds:schemaRefs>
     <ds:schemaRef ds:uri="http://schemas.microsoft.com/office/2006/metadata/contentType"/>
@@ -16552,4 +16542,29 @@
     <ds:schemaRef ds:uri="http://schemas.microsoft.com/internal/obd"/>
   </ds:schemaRefs>
 </ds:datastoreItem>
+</file>
+
+<file path=customXml/itemProps2.xml><?xml version="1.0" encoding="utf-8"?>
+<ds:datastoreItem xmlns:ds="http://schemas.openxmlformats.org/officeDocument/2006/customXml" ds:itemID="{B024FD56-CE1B-42FC-9E83-BFBF160724C6}">
+  <ds:schemaRefs>
+    <ds:schemaRef ds:uri="http://schemas.microsoft.com/sharepoint/v3/contenttype/forms"/>
+  </ds:schemaRefs>
+</ds:datastoreItem>
+</file>
+
+<file path=customXml/itemProps3.xml><?xml version="1.0" encoding="utf-8"?>
+<ds:datastoreItem xmlns:ds="http://schemas.openxmlformats.org/officeDocument/2006/customXml" ds:itemID="{DEDD01B8-816B-49B7-8C81-03AB51D87C54}">
+  <ds:schemaRefs>
+    <ds:schemaRef ds:uri="http://schemas.microsoft.com/office/2006/documentManagement/types"/>
+    <ds:schemaRef ds:uri="http://purl.org/dc/terms/"/>
+    <ds:schemaRef ds:uri="http://schemas.openxmlformats.org/package/2006/metadata/core-properties"/>
+    <ds:schemaRef ds:uri="http://purl.org/dc/dcmitype/"/>
+    <ds:schemaRef ds:uri="http://schemas.microsoft.com/office/infopath/2007/PartnerControls"/>
+    <ds:schemaRef ds:uri="http://purl.org/dc/elements/1.1/"/>
+    <ds:schemaRef ds:uri="http://schemas.microsoft.com/office/2006/metadata/properties"/>
+    <ds:schemaRef ds:uri="40262f94-9f35-4ac3-9a90-690165a166b7"/>
+    <ds:schemaRef ds:uri="a4f35948-e619-41b3-aa29-22878b09cfd2"/>
+    <ds:schemaRef ds:uri="http://www.w3.org/XML/1998/namespace"/>
+  </ds:schemaRefs>
+</ds:datastoreItem>
 </file>